--- a/Business Analytics Capstone/Problem Statement.pptx
+++ b/Business Analytics Capstone/Problem Statement.pptx
@@ -257,7 +257,7 @@
           <a:p>
             <a:fld id="{BE05082A-7C3C-4640-B7FE-7C53B0E7AE9F}" type="datetimeFigureOut">
               <a:rPr lang="en-US" smtClean="0"/>
-              <a:t>12/25/2023</a:t>
+              <a:t>6/7/2024</a:t>
             </a:fld>
             <a:endParaRPr lang="en-US"/>
           </a:p>
@@ -427,7 +427,7 @@
           <a:p>
             <a:fld id="{BE05082A-7C3C-4640-B7FE-7C53B0E7AE9F}" type="datetimeFigureOut">
               <a:rPr lang="en-US" smtClean="0"/>
-              <a:t>12/25/2023</a:t>
+              <a:t>6/7/2024</a:t>
             </a:fld>
             <a:endParaRPr lang="en-US"/>
           </a:p>
@@ -607,7 +607,7 @@
           <a:p>
             <a:fld id="{BE05082A-7C3C-4640-B7FE-7C53B0E7AE9F}" type="datetimeFigureOut">
               <a:rPr lang="en-US" smtClean="0"/>
-              <a:t>12/25/2023</a:t>
+              <a:t>6/7/2024</a:t>
             </a:fld>
             <a:endParaRPr lang="en-US"/>
           </a:p>
@@ -777,7 +777,7 @@
           <a:p>
             <a:fld id="{BE05082A-7C3C-4640-B7FE-7C53B0E7AE9F}" type="datetimeFigureOut">
               <a:rPr lang="en-US" smtClean="0"/>
-              <a:t>12/25/2023</a:t>
+              <a:t>6/7/2024</a:t>
             </a:fld>
             <a:endParaRPr lang="en-US"/>
           </a:p>
@@ -1021,7 +1021,7 @@
           <a:p>
             <a:fld id="{BE05082A-7C3C-4640-B7FE-7C53B0E7AE9F}" type="datetimeFigureOut">
               <a:rPr lang="en-US" smtClean="0"/>
-              <a:t>12/25/2023</a:t>
+              <a:t>6/7/2024</a:t>
             </a:fld>
             <a:endParaRPr lang="en-US"/>
           </a:p>
@@ -1253,7 +1253,7 @@
           <a:p>
             <a:fld id="{BE05082A-7C3C-4640-B7FE-7C53B0E7AE9F}" type="datetimeFigureOut">
               <a:rPr lang="en-US" smtClean="0"/>
-              <a:t>12/25/2023</a:t>
+              <a:t>6/7/2024</a:t>
             </a:fld>
             <a:endParaRPr lang="en-US"/>
           </a:p>
@@ -1620,7 +1620,7 @@
           <a:p>
             <a:fld id="{BE05082A-7C3C-4640-B7FE-7C53B0E7AE9F}" type="datetimeFigureOut">
               <a:rPr lang="en-US" smtClean="0"/>
-              <a:t>12/25/2023</a:t>
+              <a:t>6/7/2024</a:t>
             </a:fld>
             <a:endParaRPr lang="en-US"/>
           </a:p>
@@ -1738,7 +1738,7 @@
           <a:p>
             <a:fld id="{BE05082A-7C3C-4640-B7FE-7C53B0E7AE9F}" type="datetimeFigureOut">
               <a:rPr lang="en-US" smtClean="0"/>
-              <a:t>12/25/2023</a:t>
+              <a:t>6/7/2024</a:t>
             </a:fld>
             <a:endParaRPr lang="en-US"/>
           </a:p>
@@ -1833,7 +1833,7 @@
           <a:p>
             <a:fld id="{BE05082A-7C3C-4640-B7FE-7C53B0E7AE9F}" type="datetimeFigureOut">
               <a:rPr lang="en-US" smtClean="0"/>
-              <a:t>12/25/2023</a:t>
+              <a:t>6/7/2024</a:t>
             </a:fld>
             <a:endParaRPr lang="en-US"/>
           </a:p>
@@ -2110,7 +2110,7 @@
           <a:p>
             <a:fld id="{BE05082A-7C3C-4640-B7FE-7C53B0E7AE9F}" type="datetimeFigureOut">
               <a:rPr lang="en-US" smtClean="0"/>
-              <a:t>12/25/2023</a:t>
+              <a:t>6/7/2024</a:t>
             </a:fld>
             <a:endParaRPr lang="en-US"/>
           </a:p>
@@ -2367,7 +2367,7 @@
           <a:p>
             <a:fld id="{BE05082A-7C3C-4640-B7FE-7C53B0E7AE9F}" type="datetimeFigureOut">
               <a:rPr lang="en-US" smtClean="0"/>
-              <a:t>12/25/2023</a:t>
+              <a:t>6/7/2024</a:t>
             </a:fld>
             <a:endParaRPr lang="en-US"/>
           </a:p>
@@ -2580,7 +2580,7 @@
           <a:p>
             <a:fld id="{BE05082A-7C3C-4640-B7FE-7C53B0E7AE9F}" type="datetimeFigureOut">
               <a:rPr lang="en-US" smtClean="0"/>
-              <a:t>12/25/2023</a:t>
+              <a:t>6/7/2024</a:t>
             </a:fld>
             <a:endParaRPr lang="en-US"/>
           </a:p>
@@ -3049,7 +3049,7 @@
               <a:rPr lang="en-US" dirty="0" smtClean="0">
                 <a:latin typeface="Arial Black" panose="020B0A04020102020204" pitchFamily="34" charset="0"/>
               </a:rPr>
-              <a:t>MOOC Student</a:t>
+              <a:t>Dennis L</a:t>
             </a:r>
             <a:endParaRPr lang="en-US" dirty="0" smtClean="0">
               <a:latin typeface="Arial Black" panose="020B0A04020102020204" pitchFamily="34" charset="0"/>
@@ -3060,7 +3060,7 @@
               <a:rPr lang="en-US" dirty="0" smtClean="0">
                 <a:latin typeface="Arial Black" panose="020B0A04020102020204" pitchFamily="34" charset="0"/>
               </a:rPr>
-              <a:t>Dec 2023</a:t>
+              <a:t>June 2024</a:t>
             </a:r>
             <a:endParaRPr lang="en-US" dirty="0">
               <a:latin typeface="Arial Black" panose="020B0A04020102020204" pitchFamily="34" charset="0"/>
@@ -3297,13 +3297,7 @@
               <a:rPr lang="en-US" sz="3600" dirty="0" smtClean="0">
                 <a:latin typeface="Arial Black" panose="020B0A04020102020204" pitchFamily="34" charset="0"/>
               </a:rPr>
-              <a:t>Problem </a:t>
-            </a:r>
-            <a:r>
-              <a:rPr lang="en-US" sz="3600" dirty="0" smtClean="0">
-                <a:latin typeface="Arial Black" panose="020B0A04020102020204" pitchFamily="34" charset="0"/>
-              </a:rPr>
-              <a:t>Statement</a:t>
+              <a:t>Problem Statement</a:t>
             </a:r>
             <a:r>
               <a:rPr lang="en-US" sz="3600" dirty="0">
@@ -3581,13 +3575,7 @@
               <a:rPr lang="en-US" sz="3600" dirty="0" smtClean="0">
                 <a:latin typeface="Arial Black" panose="020B0A04020102020204" pitchFamily="34" charset="0"/>
               </a:rPr>
-              <a:t>Problem </a:t>
-            </a:r>
-            <a:r>
-              <a:rPr lang="en-US" sz="3600" dirty="0" smtClean="0">
-                <a:latin typeface="Arial Black" panose="020B0A04020102020204" pitchFamily="34" charset="0"/>
-              </a:rPr>
-              <a:t>Statement</a:t>
+              <a:t>Problem Statement</a:t>
             </a:r>
             <a:br>
               <a:rPr lang="en-US" sz="3600" dirty="0" smtClean="0">
